--- a/Cs_Toy_remindC/디자인.pptx
+++ b/Cs_Toy_remindC/디자인.pptx
@@ -260,7 +260,7 @@
           <a:p>
             <a:fld id="{0434330A-FFB8-440B-B937-C4FA73F94959}" type="datetimeFigureOut">
               <a:rPr lang="ko-KR" altLang="en-US" smtClean="0"/>
-              <a:t>2025-11-14</a:t>
+              <a:t>2025-11-16</a:t>
             </a:fld>
             <a:endParaRPr lang="ko-KR" altLang="en-US"/>
           </a:p>
@@ -458,7 +458,7 @@
           <a:p>
             <a:fld id="{0434330A-FFB8-440B-B937-C4FA73F94959}" type="datetimeFigureOut">
               <a:rPr lang="ko-KR" altLang="en-US" smtClean="0"/>
-              <a:t>2025-11-14</a:t>
+              <a:t>2025-11-16</a:t>
             </a:fld>
             <a:endParaRPr lang="ko-KR" altLang="en-US"/>
           </a:p>
@@ -666,7 +666,7 @@
           <a:p>
             <a:fld id="{0434330A-FFB8-440B-B937-C4FA73F94959}" type="datetimeFigureOut">
               <a:rPr lang="ko-KR" altLang="en-US" smtClean="0"/>
-              <a:t>2025-11-14</a:t>
+              <a:t>2025-11-16</a:t>
             </a:fld>
             <a:endParaRPr lang="ko-KR" altLang="en-US"/>
           </a:p>
@@ -864,7 +864,7 @@
           <a:p>
             <a:fld id="{0434330A-FFB8-440B-B937-C4FA73F94959}" type="datetimeFigureOut">
               <a:rPr lang="ko-KR" altLang="en-US" smtClean="0"/>
-              <a:t>2025-11-14</a:t>
+              <a:t>2025-11-16</a:t>
             </a:fld>
             <a:endParaRPr lang="ko-KR" altLang="en-US"/>
           </a:p>
@@ -1139,7 +1139,7 @@
           <a:p>
             <a:fld id="{0434330A-FFB8-440B-B937-C4FA73F94959}" type="datetimeFigureOut">
               <a:rPr lang="ko-KR" altLang="en-US" smtClean="0"/>
-              <a:t>2025-11-14</a:t>
+              <a:t>2025-11-16</a:t>
             </a:fld>
             <a:endParaRPr lang="ko-KR" altLang="en-US"/>
           </a:p>
@@ -1404,7 +1404,7 @@
           <a:p>
             <a:fld id="{0434330A-FFB8-440B-B937-C4FA73F94959}" type="datetimeFigureOut">
               <a:rPr lang="ko-KR" altLang="en-US" smtClean="0"/>
-              <a:t>2025-11-14</a:t>
+              <a:t>2025-11-16</a:t>
             </a:fld>
             <a:endParaRPr lang="ko-KR" altLang="en-US"/>
           </a:p>
@@ -1816,7 +1816,7 @@
           <a:p>
             <a:fld id="{0434330A-FFB8-440B-B937-C4FA73F94959}" type="datetimeFigureOut">
               <a:rPr lang="ko-KR" altLang="en-US" smtClean="0"/>
-              <a:t>2025-11-14</a:t>
+              <a:t>2025-11-16</a:t>
             </a:fld>
             <a:endParaRPr lang="ko-KR" altLang="en-US"/>
           </a:p>
@@ -1957,7 +1957,7 @@
           <a:p>
             <a:fld id="{0434330A-FFB8-440B-B937-C4FA73F94959}" type="datetimeFigureOut">
               <a:rPr lang="ko-KR" altLang="en-US" smtClean="0"/>
-              <a:t>2025-11-14</a:t>
+              <a:t>2025-11-16</a:t>
             </a:fld>
             <a:endParaRPr lang="ko-KR" altLang="en-US"/>
           </a:p>
@@ -2070,7 +2070,7 @@
           <a:p>
             <a:fld id="{0434330A-FFB8-440B-B937-C4FA73F94959}" type="datetimeFigureOut">
               <a:rPr lang="ko-KR" altLang="en-US" smtClean="0"/>
-              <a:t>2025-11-14</a:t>
+              <a:t>2025-11-16</a:t>
             </a:fld>
             <a:endParaRPr lang="ko-KR" altLang="en-US"/>
           </a:p>
@@ -2381,7 +2381,7 @@
           <a:p>
             <a:fld id="{0434330A-FFB8-440B-B937-C4FA73F94959}" type="datetimeFigureOut">
               <a:rPr lang="ko-KR" altLang="en-US" smtClean="0"/>
-              <a:t>2025-11-14</a:t>
+              <a:t>2025-11-16</a:t>
             </a:fld>
             <a:endParaRPr lang="ko-KR" altLang="en-US"/>
           </a:p>
@@ -2669,7 +2669,7 @@
           <a:p>
             <a:fld id="{0434330A-FFB8-440B-B937-C4FA73F94959}" type="datetimeFigureOut">
               <a:rPr lang="ko-KR" altLang="en-US" smtClean="0"/>
-              <a:t>2025-11-14</a:t>
+              <a:t>2025-11-16</a:t>
             </a:fld>
             <a:endParaRPr lang="ko-KR" altLang="en-US"/>
           </a:p>
@@ -2910,7 +2910,7 @@
           <a:p>
             <a:fld id="{0434330A-FFB8-440B-B937-C4FA73F94959}" type="datetimeFigureOut">
               <a:rPr lang="ko-KR" altLang="en-US" smtClean="0"/>
-              <a:t>2025-11-14</a:t>
+              <a:t>2025-11-16</a:t>
             </a:fld>
             <a:endParaRPr lang="ko-KR" altLang="en-US"/>
           </a:p>
@@ -4057,7 +4057,7 @@
       </p:grpSpPr>
       <p:sp>
         <p:nvSpPr>
-          <p:cNvPr id="4" name="직사각형 3">
+          <p:cNvPr id="2" name="직사각형 1">
             <a:extLst>
               <a:ext uri="{FF2B5EF4-FFF2-40B4-BE49-F238E27FC236}">
                 <a16:creationId xmlns:a16="http://schemas.microsoft.com/office/drawing/2014/main" id="{7F6C942A-5C7A-4333-FCD1-EF8982D9E254}"/>
@@ -4069,8 +4069,8 @@
         </p:nvSpPr>
         <p:spPr>
           <a:xfrm>
-            <a:off x="3216998" y="915039"/>
-            <a:ext cx="4490225" cy="5228948"/>
+            <a:off x="115353" y="679636"/>
+            <a:ext cx="3809899" cy="4572678"/>
           </a:xfrm>
           <a:prstGeom prst="rect">
             <a:avLst/>
@@ -4101,7 +4101,7 @@
       </p:sp>
       <p:sp>
         <p:nvSpPr>
-          <p:cNvPr id="5" name="직사각형 4">
+          <p:cNvPr id="3" name="직사각형 2">
             <a:extLst>
               <a:ext uri="{FF2B5EF4-FFF2-40B4-BE49-F238E27FC236}">
                 <a16:creationId xmlns:a16="http://schemas.microsoft.com/office/drawing/2014/main" id="{5E19D2CA-B638-352F-7259-6BC1A6F3602C}"/>
@@ -4113,8 +4113,8 @@
         </p:nvSpPr>
         <p:spPr>
           <a:xfrm>
-            <a:off x="3228631" y="915039"/>
-            <a:ext cx="4478592" cy="269779"/>
+            <a:off x="126986" y="679637"/>
+            <a:ext cx="3800029" cy="235920"/>
           </a:xfrm>
           <a:prstGeom prst="rect">
             <a:avLst/>
@@ -4150,7 +4150,7 @@
       </p:sp>
       <p:pic>
         <p:nvPicPr>
-          <p:cNvPr id="6" name="그림 5">
+          <p:cNvPr id="7" name="그림 6">
             <a:extLst>
               <a:ext uri="{FF2B5EF4-FFF2-40B4-BE49-F238E27FC236}">
                 <a16:creationId xmlns:a16="http://schemas.microsoft.com/office/drawing/2014/main" id="{A9038262-DF75-3840-1E8F-3FEB4D38E4F1}"/>
@@ -4170,8 +4170,8 @@
         </p:blipFill>
         <p:spPr>
           <a:xfrm>
-            <a:off x="6671529" y="915039"/>
-            <a:ext cx="1024061" cy="269779"/>
+            <a:off x="3029717" y="718515"/>
+            <a:ext cx="895535" cy="235920"/>
           </a:xfrm>
           <a:prstGeom prst="rect">
             <a:avLst/>
@@ -4180,7 +4180,7 @@
       </p:pic>
       <p:sp>
         <p:nvSpPr>
-          <p:cNvPr id="13" name="TextBox 12">
+          <p:cNvPr id="8" name="TextBox 7">
             <a:extLst>
               <a:ext uri="{FF2B5EF4-FFF2-40B4-BE49-F238E27FC236}">
                 <a16:creationId xmlns:a16="http://schemas.microsoft.com/office/drawing/2014/main" id="{21FD262D-F79E-EA24-8F68-9728E63DA277}"/>
@@ -4192,8 +4192,8 @@
         </p:nvSpPr>
         <p:spPr>
           <a:xfrm flipH="1">
-            <a:off x="3228631" y="843083"/>
-            <a:ext cx="2553005" cy="369332"/>
+            <a:off x="126986" y="607680"/>
+            <a:ext cx="2166192" cy="369332"/>
           </a:xfrm>
           <a:prstGeom prst="rect">
             <a:avLst/>
@@ -4216,10 +4216,200 @@
       </p:sp>
       <p:pic>
         <p:nvPicPr>
-          <p:cNvPr id="24" name="그림 23">
+          <p:cNvPr id="9" name="그림 8">
             <a:extLst>
               <a:ext uri="{FF2B5EF4-FFF2-40B4-BE49-F238E27FC236}">
                 <a16:creationId xmlns:a16="http://schemas.microsoft.com/office/drawing/2014/main" id="{69FCB7CB-A5CA-67C9-6A07-3F4BAF5A55FD}"/>
+              </a:ext>
+            </a:extLst>
+          </p:cNvPr>
+          <p:cNvPicPr>
+            <a:picLocks noChangeAspect="1"/>
+          </p:cNvPicPr>
+          <p:nvPr/>
+        </p:nvPicPr>
+        <p:blipFill>
+          <a:blip r:embed="rId3"/>
+          <a:srcRect b="8162"/>
+          <a:stretch>
+            <a:fillRect/>
+          </a:stretch>
+        </p:blipFill>
+        <p:spPr>
+          <a:xfrm>
+            <a:off x="402123" y="1666384"/>
+            <a:ext cx="3373936" cy="2387035"/>
+          </a:xfrm>
+          <a:prstGeom prst="rect">
+            <a:avLst/>
+          </a:prstGeom>
+        </p:spPr>
+      </p:pic>
+      <p:sp>
+        <p:nvSpPr>
+          <p:cNvPr id="10" name="직사각형 9">
+            <a:extLst>
+              <a:ext uri="{FF2B5EF4-FFF2-40B4-BE49-F238E27FC236}">
+                <a16:creationId xmlns:a16="http://schemas.microsoft.com/office/drawing/2014/main" id="{A78FBF1C-B12A-4A67-6FAD-EAC044EB46E3}"/>
+              </a:ext>
+            </a:extLst>
+          </p:cNvPr>
+          <p:cNvSpPr/>
+          <p:nvPr/>
+        </p:nvSpPr>
+        <p:spPr>
+          <a:xfrm>
+            <a:off x="4280718" y="679636"/>
+            <a:ext cx="3809899" cy="4572678"/>
+          </a:xfrm>
+          <a:prstGeom prst="rect">
+            <a:avLst/>
+          </a:prstGeom>
+        </p:spPr>
+        <p:style>
+          <a:lnRef idx="2">
+            <a:schemeClr val="dk1"/>
+          </a:lnRef>
+          <a:fillRef idx="1">
+            <a:schemeClr val="lt1"/>
+          </a:fillRef>
+          <a:effectRef idx="0">
+            <a:schemeClr val="dk1"/>
+          </a:effectRef>
+          <a:fontRef idx="minor">
+            <a:schemeClr val="dk1"/>
+          </a:fontRef>
+        </p:style>
+        <p:txBody>
+          <a:bodyPr rtlCol="0" anchor="ctr"/>
+          <a:lstStyle/>
+          <a:p>
+            <a:pPr algn="ctr"/>
+            <a:endParaRPr lang="ko-KR" altLang="en-US" dirty="0"/>
+          </a:p>
+        </p:txBody>
+      </p:sp>
+      <p:sp>
+        <p:nvSpPr>
+          <p:cNvPr id="11" name="직사각형 10">
+            <a:extLst>
+              <a:ext uri="{FF2B5EF4-FFF2-40B4-BE49-F238E27FC236}">
+                <a16:creationId xmlns:a16="http://schemas.microsoft.com/office/drawing/2014/main" id="{E2B7BC93-C354-4BE8-A229-D1AAE1ED6D7E}"/>
+              </a:ext>
+            </a:extLst>
+          </p:cNvPr>
+          <p:cNvSpPr/>
+          <p:nvPr/>
+        </p:nvSpPr>
+        <p:spPr>
+          <a:xfrm>
+            <a:off x="4292351" y="679637"/>
+            <a:ext cx="3800029" cy="235920"/>
+          </a:xfrm>
+          <a:prstGeom prst="rect">
+            <a:avLst/>
+          </a:prstGeom>
+          <a:solidFill>
+            <a:schemeClr val="bg2"/>
+          </a:solidFill>
+        </p:spPr>
+        <p:style>
+          <a:lnRef idx="2">
+            <a:schemeClr val="accent1">
+              <a:shade val="15000"/>
+            </a:schemeClr>
+          </a:lnRef>
+          <a:fillRef idx="1">
+            <a:schemeClr val="accent1"/>
+          </a:fillRef>
+          <a:effectRef idx="0">
+            <a:schemeClr val="accent1"/>
+          </a:effectRef>
+          <a:fontRef idx="minor">
+            <a:schemeClr val="lt1"/>
+          </a:fontRef>
+        </p:style>
+        <p:txBody>
+          <a:bodyPr rtlCol="0" anchor="ctr"/>
+          <a:lstStyle/>
+          <a:p>
+            <a:pPr algn="ctr"/>
+            <a:endParaRPr lang="ko-KR" altLang="en-US"/>
+          </a:p>
+        </p:txBody>
+      </p:sp>
+      <p:pic>
+        <p:nvPicPr>
+          <p:cNvPr id="12" name="그림 11">
+            <a:extLst>
+              <a:ext uri="{FF2B5EF4-FFF2-40B4-BE49-F238E27FC236}">
+                <a16:creationId xmlns:a16="http://schemas.microsoft.com/office/drawing/2014/main" id="{0FC0BD7D-B6F3-199C-F0FC-A781BFCC2AEF}"/>
+              </a:ext>
+            </a:extLst>
+          </p:cNvPr>
+          <p:cNvPicPr>
+            <a:picLocks noChangeAspect="1"/>
+          </p:cNvPicPr>
+          <p:nvPr/>
+        </p:nvPicPr>
+        <p:blipFill>
+          <a:blip r:embed="rId2"/>
+          <a:stretch>
+            <a:fillRect/>
+          </a:stretch>
+        </p:blipFill>
+        <p:spPr>
+          <a:xfrm>
+            <a:off x="7206715" y="691555"/>
+            <a:ext cx="895535" cy="235920"/>
+          </a:xfrm>
+          <a:prstGeom prst="rect">
+            <a:avLst/>
+          </a:prstGeom>
+        </p:spPr>
+      </p:pic>
+      <p:sp>
+        <p:nvSpPr>
+          <p:cNvPr id="14" name="TextBox 13">
+            <a:extLst>
+              <a:ext uri="{FF2B5EF4-FFF2-40B4-BE49-F238E27FC236}">
+                <a16:creationId xmlns:a16="http://schemas.microsoft.com/office/drawing/2014/main" id="{D7DB5461-2CC1-4869-EDCC-D8ACC87E76D6}"/>
+              </a:ext>
+            </a:extLst>
+          </p:cNvPr>
+          <p:cNvSpPr txBox="1"/>
+          <p:nvPr/>
+        </p:nvSpPr>
+        <p:spPr>
+          <a:xfrm flipH="1">
+            <a:off x="4292351" y="607680"/>
+            <a:ext cx="2166192" cy="369332"/>
+          </a:xfrm>
+          <a:prstGeom prst="rect">
+            <a:avLst/>
+          </a:prstGeom>
+          <a:noFill/>
+        </p:spPr>
+        <p:txBody>
+          <a:bodyPr wrap="square" rtlCol="0">
+            <a:spAutoFit/>
+          </a:bodyPr>
+          <a:lstStyle/>
+          <a:p>
+            <a:r>
+              <a:rPr lang="en-US" altLang="ko-KR" dirty="0" err="1"/>
+              <a:t>gameview</a:t>
+            </a:r>
+            <a:endParaRPr lang="ko-KR" altLang="en-US" dirty="0"/>
+          </a:p>
+        </p:txBody>
+      </p:sp>
+      <p:pic>
+        <p:nvPicPr>
+          <p:cNvPr id="15" name="그림 14">
+            <a:extLst>
+              <a:ext uri="{FF2B5EF4-FFF2-40B4-BE49-F238E27FC236}">
+                <a16:creationId xmlns:a16="http://schemas.microsoft.com/office/drawing/2014/main" id="{E3F7F0EB-D693-B018-FADA-3E475F4D4464}"/>
               </a:ext>
             </a:extLst>
           </p:cNvPr>
@@ -4236,14 +4426,137 @@
         </p:blipFill>
         <p:spPr>
           <a:xfrm>
-            <a:off x="3533028" y="1891685"/>
-            <a:ext cx="3858163" cy="2972215"/>
+            <a:off x="4505397" y="1666384"/>
+            <a:ext cx="3373936" cy="2599181"/>
           </a:xfrm>
           <a:prstGeom prst="rect">
             <a:avLst/>
           </a:prstGeom>
         </p:spPr>
       </p:pic>
+      <p:sp>
+        <p:nvSpPr>
+          <p:cNvPr id="16" name="TextBox 15">
+            <a:extLst>
+              <a:ext uri="{FF2B5EF4-FFF2-40B4-BE49-F238E27FC236}">
+                <a16:creationId xmlns:a16="http://schemas.microsoft.com/office/drawing/2014/main" id="{1DEE075C-80F3-F886-DF3B-D29D59E21F6D}"/>
+              </a:ext>
+            </a:extLst>
+          </p:cNvPr>
+          <p:cNvSpPr txBox="1"/>
+          <p:nvPr/>
+        </p:nvSpPr>
+        <p:spPr>
+          <a:xfrm>
+            <a:off x="1302345" y="4168590"/>
+            <a:ext cx="1435912" cy="369332"/>
+          </a:xfrm>
+          <a:prstGeom prst="rect">
+            <a:avLst/>
+          </a:prstGeom>
+          <a:noFill/>
+        </p:spPr>
+        <p:txBody>
+          <a:bodyPr wrap="square" rtlCol="0">
+            <a:spAutoFit/>
+          </a:bodyPr>
+          <a:lstStyle/>
+          <a:p>
+            <a:r>
+              <a:rPr lang="ko-KR" altLang="en-US" dirty="0"/>
+              <a:t>테스트 시작</a:t>
+            </a:r>
+          </a:p>
+        </p:txBody>
+      </p:sp>
+      <p:sp>
+        <p:nvSpPr>
+          <p:cNvPr id="17" name="TextBox 16">
+            <a:extLst>
+              <a:ext uri="{FF2B5EF4-FFF2-40B4-BE49-F238E27FC236}">
+                <a16:creationId xmlns:a16="http://schemas.microsoft.com/office/drawing/2014/main" id="{6760AFC3-CF41-E1B6-EABF-D343EC0A4F3E}"/>
+              </a:ext>
+            </a:extLst>
+          </p:cNvPr>
+          <p:cNvSpPr txBox="1"/>
+          <p:nvPr/>
+        </p:nvSpPr>
+        <p:spPr>
+          <a:xfrm>
+            <a:off x="1336331" y="4537923"/>
+            <a:ext cx="1367941" cy="369332"/>
+          </a:xfrm>
+          <a:prstGeom prst="rect">
+            <a:avLst/>
+          </a:prstGeom>
+          <a:noFill/>
+        </p:spPr>
+        <p:txBody>
+          <a:bodyPr wrap="square" rtlCol="0">
+            <a:spAutoFit/>
+          </a:bodyPr>
+          <a:lstStyle/>
+          <a:p>
+            <a:r>
+              <a:rPr lang="en-US" altLang="ko-KR" dirty="0"/>
+              <a:t> </a:t>
+            </a:r>
+            <a:r>
+              <a:rPr lang="ko-KR" altLang="en-US" dirty="0"/>
+              <a:t>뒤로 가기</a:t>
+            </a:r>
+          </a:p>
+        </p:txBody>
+      </p:sp>
+      <p:sp>
+        <p:nvSpPr>
+          <p:cNvPr id="18" name="직사각형 17">
+            <a:extLst>
+              <a:ext uri="{FF2B5EF4-FFF2-40B4-BE49-F238E27FC236}">
+                <a16:creationId xmlns:a16="http://schemas.microsoft.com/office/drawing/2014/main" id="{05B5E4B9-F262-0FF9-49E1-4C0CCE93773A}"/>
+              </a:ext>
+            </a:extLst>
+          </p:cNvPr>
+          <p:cNvSpPr/>
+          <p:nvPr/>
+        </p:nvSpPr>
+        <p:spPr>
+          <a:xfrm>
+            <a:off x="7481085" y="1081413"/>
+            <a:ext cx="508327" cy="409012"/>
+          </a:xfrm>
+          <a:prstGeom prst="rect">
+            <a:avLst/>
+          </a:prstGeom>
+        </p:spPr>
+        <p:style>
+          <a:lnRef idx="2">
+            <a:schemeClr val="accent1">
+              <a:shade val="15000"/>
+            </a:schemeClr>
+          </a:lnRef>
+          <a:fillRef idx="1">
+            <a:schemeClr val="accent1"/>
+          </a:fillRef>
+          <a:effectRef idx="0">
+            <a:schemeClr val="accent1"/>
+          </a:effectRef>
+          <a:fontRef idx="minor">
+            <a:schemeClr val="lt1"/>
+          </a:fontRef>
+        </p:style>
+        <p:txBody>
+          <a:bodyPr rtlCol="0" anchor="ctr"/>
+          <a:lstStyle/>
+          <a:p>
+            <a:pPr algn="ctr"/>
+            <a:r>
+              <a:rPr lang="ko-KR" altLang="en-US" sz="1100" dirty="0"/>
+              <a:t>중지 </a:t>
+            </a:r>
+          </a:p>
+        </p:txBody>
+      </p:sp>
     </p:spTree>
     <p:extLst>
       <p:ext uri="{BB962C8B-B14F-4D97-AF65-F5344CB8AC3E}">
